--- a/presentations/checkers-demo/checkers-demo-uwaffiliates-20150120.pptx
+++ b/presentations/checkers-demo/checkers-demo-uwaffiliates-20150120.pptx
@@ -264,7 +264,7 @@
             <a:fld id="{F1CB0A62-8E67-4C9C-BD0A-1B623B6FF41A}" type="datetimeFigureOut">
               <a:rPr lang="en-US" smtClean="0"/>
               <a:pPr/>
-              <a:t>10/20/2015</a:t>
+              <a:t>1/17/2016</a:t>
             </a:fld>
             <a:endParaRPr lang="en-US"/>
           </a:p>
@@ -431,7 +431,7 @@
             <a:fld id="{7E352BF5-329B-4DBF-99DF-ACF46ECAA31D}" type="datetimeFigureOut">
               <a:rPr lang="en-US" smtClean="0"/>
               <a:pPr/>
-              <a:t>10/20/2015</a:t>
+              <a:t>1/17/2016</a:t>
             </a:fld>
             <a:endParaRPr lang="en-US"/>
           </a:p>
@@ -2418,7 +2418,7 @@
             <a:fld id="{68E1BC78-26EE-F449-AB4E-4B63390B0AE5}" type="datetimeFigureOut">
               <a:rPr lang="nl-NL" smtClean="0"/>
               <a:pPr/>
-              <a:t>20-10-2015</a:t>
+              <a:t>17-1-2016</a:t>
             </a:fld>
             <a:endParaRPr lang="nl-NL"/>
           </a:p>
@@ -2714,7 +2714,7 @@
             <a:fld id="{68E1BC78-26EE-F449-AB4E-4B63390B0AE5}" type="datetimeFigureOut">
               <a:rPr lang="nl-NL" smtClean="0"/>
               <a:pPr/>
-              <a:t>20-10-2015</a:t>
+              <a:t>17-1-2016</a:t>
             </a:fld>
             <a:endParaRPr lang="nl-NL"/>
           </a:p>
@@ -3387,7 +3387,7 @@
             <a:fld id="{68E1BC78-26EE-F449-AB4E-4B63390B0AE5}" type="datetimeFigureOut">
               <a:rPr lang="nl-NL" smtClean="0"/>
               <a:pPr/>
-              <a:t>20-10-2015</a:t>
+              <a:t>17-1-2016</a:t>
             </a:fld>
             <a:endParaRPr lang="nl-NL" dirty="0"/>
           </a:p>
@@ -8993,15 +8993,7 @@
             <a:pPr lvl="1"/>
             <a:r>
               <a:rPr lang="en-US" dirty="0" smtClean="0"/>
-              <a:t>no </a:t>
-            </a:r>
-            <a:r>
-              <a:rPr lang="en-US" dirty="0" smtClean="0"/>
-              <a:t>annotations </a:t>
-            </a:r>
-            <a:r>
-              <a:rPr lang="en-US" dirty="0" smtClean="0"/>
-              <a:t>within method bodies</a:t>
+              <a:t>no annotations within method bodies</a:t>
             </a:r>
           </a:p>
           <a:p>
@@ -9573,13 +9565,8 @@
             <a:pPr lvl="1"/>
             <a:r>
               <a:rPr lang="en-US" dirty="0" smtClean="0"/>
-              <a:t>Native </a:t>
-            </a:r>
-            <a:r>
-              <a:rPr lang="en-US" dirty="0" smtClean="0"/>
-              <a:t>methods (handles reflection!)</a:t>
-            </a:r>
-            <a:endParaRPr lang="en-US" dirty="0" smtClean="0"/>
+              <a:t>Native methods (handles reflection!)</a:t>
+            </a:r>
           </a:p>
           <a:p>
             <a:pPr lvl="1"/>
@@ -10172,12 +10159,12 @@
           <a:lstStyle/>
           <a:p>
             <a:r>
-              <a:rPr lang="en-US" sz="3600" dirty="0" err="1"/>
-              <a:t>Sofware</a:t>
+              <a:rPr lang="en-US" sz="3600" smtClean="0"/>
+              <a:t>Software </a:t>
             </a:r>
             <a:r>
               <a:rPr lang="en-US" sz="3600" dirty="0"/>
-              <a:t> bugs </a:t>
+              <a:t>bugs </a:t>
             </a:r>
             <a:r>
               <a:rPr lang="en-US" sz="3600" dirty="0" smtClean="0"/>
@@ -11986,11 +11973,11 @@
   <p:clrMapOvr>
     <a:masterClrMapping/>
   </p:clrMapOvr>
-  <mc:AlternateContent xmlns:mc="http://schemas.openxmlformats.org/markup-compatibility/2006">
-    <mc:Choice xmlns:p14="http://schemas.microsoft.com/office/powerpoint/2010/main" Requires="p14">
+  <mc:AlternateContent xmlns:mc="http://schemas.openxmlformats.org/markup-compatibility/2006" xmlns:p14="http://schemas.microsoft.com/office/powerpoint/2010/main">
+    <mc:Choice Requires="p14">
       <p:transition spd="slow" p14:dur="2000"/>
     </mc:Choice>
-    <mc:Fallback>
+    <mc:Fallback xmlns="">
       <p:transition spd="slow"/>
     </mc:Fallback>
   </mc:AlternateContent>
@@ -12432,11 +12419,11 @@
   <p:clrMapOvr>
     <a:masterClrMapping/>
   </p:clrMapOvr>
-  <mc:AlternateContent xmlns:mc="http://schemas.openxmlformats.org/markup-compatibility/2006">
-    <mc:Choice xmlns:p14="http://schemas.microsoft.com/office/powerpoint/2010/main" Requires="p14">
+  <mc:AlternateContent xmlns:mc="http://schemas.openxmlformats.org/markup-compatibility/2006" xmlns:p14="http://schemas.microsoft.com/office/powerpoint/2010/main">
+    <mc:Choice Requires="p14">
       <p:transition spd="slow" p14:dur="2000"/>
     </mc:Choice>
-    <mc:Fallback>
+    <mc:Fallback xmlns="">
       <p:transition spd="slow"/>
     </mc:Fallback>
   </mc:AlternateContent>
